--- a/doc/screenshots.pptx
+++ b/doc/screenshots.pptx
@@ -13,6 +13,7 @@
     <p:sldId id="261" r:id="rId7"/>
     <p:sldId id="262" r:id="rId8"/>
     <p:sldId id="263" r:id="rId9"/>
+    <p:sldId id="264" r:id="rId10"/>
   </p:sldIdLst>
   <p:sldSz cx="12192000" cy="6858000"/>
   <p:notesSz cx="6858000" cy="9144000"/>
@@ -122,7 +123,7 @@
 <file path=ppt/revisionInfo.xml><?xml version="1.0" encoding="utf-8"?>
 <p1510:revInfo xmlns:a="http://schemas.openxmlformats.org/drawingml/2006/main" xmlns:r="http://schemas.openxmlformats.org/officeDocument/2006/relationships" xmlns:p1510="http://schemas.microsoft.com/office/powerpoint/2015/10/main">
   <p1510:revLst>
-    <p1510:client id="{F50843FC-A7F1-4F6F-BD64-A085A1CE3117}" v="55" dt="2021-06-17T07:50:50.970"/>
+    <p1510:client id="{3D81F9C5-17D1-4925-BA6C-48E01D83B332}" v="7" dt="2022-09-08T07:49:03.547"/>
   </p1510:revLst>
 </p1510:revInfo>
 </file>
@@ -869,6 +870,142 @@
             <pc:docMk/>
             <pc:sldMk cId="1744183575" sldId="263"/>
             <ac:picMk id="11" creationId="{75BC3D7F-1C40-4167-8FD9-DB8056896E8F}"/>
+          </ac:picMkLst>
+        </pc:picChg>
+      </pc:sldChg>
+    </pc:docChg>
+  </pc:docChgLst>
+  <pc:docChgLst>
+    <pc:chgData name="Reinhard Maerz" userId="78ced2354a8af90e" providerId="LiveId" clId="{3D81F9C5-17D1-4925-BA6C-48E01D83B332}"/>
+    <pc:docChg chg="undo custSel addSld modSld">
+      <pc:chgData name="Reinhard Maerz" userId="78ced2354a8af90e" providerId="LiveId" clId="{3D81F9C5-17D1-4925-BA6C-48E01D83B332}" dt="2022-09-08T07:49:09.326" v="144" actId="20577"/>
+      <pc:docMkLst>
+        <pc:docMk/>
+      </pc:docMkLst>
+      <pc:sldChg chg="addSp delSp modSp new mod">
+        <pc:chgData name="Reinhard Maerz" userId="78ced2354a8af90e" providerId="LiveId" clId="{3D81F9C5-17D1-4925-BA6C-48E01D83B332}" dt="2022-09-08T07:49:09.326" v="144" actId="20577"/>
+        <pc:sldMkLst>
+          <pc:docMk/>
+          <pc:sldMk cId="3679844080" sldId="264"/>
+        </pc:sldMkLst>
+        <pc:spChg chg="add del mod">
+          <ac:chgData name="Reinhard Maerz" userId="78ced2354a8af90e" providerId="LiveId" clId="{3D81F9C5-17D1-4925-BA6C-48E01D83B332}" dt="2022-09-08T07:38:26.669" v="93" actId="478"/>
+          <ac:spMkLst>
+            <pc:docMk/>
+            <pc:sldMk cId="3679844080" sldId="264"/>
+            <ac:spMk id="5" creationId="{7E193BB3-2059-566D-F404-B1976E48C5CA}"/>
+          </ac:spMkLst>
+        </pc:spChg>
+        <pc:spChg chg="add mod">
+          <ac:chgData name="Reinhard Maerz" userId="78ced2354a8af90e" providerId="LiveId" clId="{3D81F9C5-17D1-4925-BA6C-48E01D83B332}" dt="2022-09-08T07:48:46.603" v="134" actId="1076"/>
+          <ac:spMkLst>
+            <pc:docMk/>
+            <pc:sldMk cId="3679844080" sldId="264"/>
+            <ac:spMk id="6" creationId="{1336303A-6325-9A30-94B2-D85FE36598E4}"/>
+          </ac:spMkLst>
+        </pc:spChg>
+        <pc:spChg chg="add del">
+          <ac:chgData name="Reinhard Maerz" userId="78ced2354a8af90e" providerId="LiveId" clId="{3D81F9C5-17D1-4925-BA6C-48E01D83B332}" dt="2022-09-08T07:41:49.614" v="119" actId="478"/>
+          <ac:spMkLst>
+            <pc:docMk/>
+            <pc:sldMk cId="3679844080" sldId="264"/>
+            <ac:spMk id="7" creationId="{5AAECC1E-1441-8FE9-FBD8-BF174416D216}"/>
+          </ac:spMkLst>
+        </pc:spChg>
+        <pc:spChg chg="add mod">
+          <ac:chgData name="Reinhard Maerz" userId="78ced2354a8af90e" providerId="LiveId" clId="{3D81F9C5-17D1-4925-BA6C-48E01D83B332}" dt="2022-09-03T08:06:35.299" v="69" actId="14100"/>
+          <ac:spMkLst>
+            <pc:docMk/>
+            <pc:sldMk cId="3679844080" sldId="264"/>
+            <ac:spMk id="11" creationId="{965B5011-D2F8-E450-79E2-E6180296DAC4}"/>
+          </ac:spMkLst>
+        </pc:spChg>
+        <pc:spChg chg="add del mod">
+          <ac:chgData name="Reinhard Maerz" userId="78ced2354a8af90e" providerId="LiveId" clId="{3D81F9C5-17D1-4925-BA6C-48E01D83B332}" dt="2022-09-08T07:38:08.943" v="90" actId="478"/>
+          <ac:spMkLst>
+            <pc:docMk/>
+            <pc:sldMk cId="3679844080" sldId="264"/>
+            <ac:spMk id="12" creationId="{0E0770E1-72BE-6508-5A06-00F681B70EA9}"/>
+          </ac:spMkLst>
+        </pc:spChg>
+        <pc:spChg chg="add mod">
+          <ac:chgData name="Reinhard Maerz" userId="78ced2354a8af90e" providerId="LiveId" clId="{3D81F9C5-17D1-4925-BA6C-48E01D83B332}" dt="2022-09-08T07:48:56.008" v="136" actId="571"/>
+          <ac:spMkLst>
+            <pc:docMk/>
+            <pc:sldMk cId="3679844080" sldId="264"/>
+            <ac:spMk id="18" creationId="{F089CC61-BEF2-E8B4-C18A-933A8E1E541B}"/>
+          </ac:spMkLst>
+        </pc:spChg>
+        <pc:spChg chg="add mod">
+          <ac:chgData name="Reinhard Maerz" userId="78ced2354a8af90e" providerId="LiveId" clId="{3D81F9C5-17D1-4925-BA6C-48E01D83B332}" dt="2022-09-08T07:49:09.326" v="144" actId="20577"/>
+          <ac:spMkLst>
+            <pc:docMk/>
+            <pc:sldMk cId="3679844080" sldId="264"/>
+            <ac:spMk id="19" creationId="{89F6AA2A-5461-3A86-2E6B-BCC7F14D873E}"/>
+          </ac:spMkLst>
+        </pc:spChg>
+        <pc:picChg chg="add del mod modCrop">
+          <ac:chgData name="Reinhard Maerz" userId="78ced2354a8af90e" providerId="LiveId" clId="{3D81F9C5-17D1-4925-BA6C-48E01D83B332}" dt="2022-09-03T08:05:26.422" v="45" actId="478"/>
+          <ac:picMkLst>
+            <pc:docMk/>
+            <pc:sldMk cId="3679844080" sldId="264"/>
+            <ac:picMk id="3" creationId="{3F53B6B2-5B16-1FAC-B48D-56B7A0192BA8}"/>
+          </ac:picMkLst>
+        </pc:picChg>
+        <pc:picChg chg="add del ord">
+          <ac:chgData name="Reinhard Maerz" userId="78ced2354a8af90e" providerId="LiveId" clId="{3D81F9C5-17D1-4925-BA6C-48E01D83B332}" dt="2022-09-08T07:40:57.916" v="117" actId="478"/>
+          <ac:picMkLst>
+            <pc:docMk/>
+            <pc:sldMk cId="3679844080" sldId="264"/>
+            <ac:picMk id="3" creationId="{E1414EF6-E129-82D2-EAB8-FB67AC63233D}"/>
+          </ac:picMkLst>
+        </pc:picChg>
+        <pc:picChg chg="add del mod">
+          <ac:chgData name="Reinhard Maerz" userId="78ced2354a8af90e" providerId="LiveId" clId="{3D81F9C5-17D1-4925-BA6C-48E01D83B332}" dt="2022-09-08T07:38:05.423" v="89" actId="478"/>
+          <ac:picMkLst>
+            <pc:docMk/>
+            <pc:sldMk cId="3679844080" sldId="264"/>
+            <ac:picMk id="8" creationId="{AF403CD5-6F0F-7F5B-FCCA-AC6968934EDC}"/>
+          </ac:picMkLst>
+        </pc:picChg>
+        <pc:picChg chg="add del ord">
+          <ac:chgData name="Reinhard Maerz" userId="78ced2354a8af90e" providerId="LiveId" clId="{3D81F9C5-17D1-4925-BA6C-48E01D83B332}" dt="2022-09-08T07:38:02.302" v="88" actId="478"/>
+          <ac:picMkLst>
+            <pc:docMk/>
+            <pc:sldMk cId="3679844080" sldId="264"/>
+            <ac:picMk id="10" creationId="{52B6B314-D61D-4137-9CBF-3BF7DEBEBA7F}"/>
+          </ac:picMkLst>
+        </pc:picChg>
+        <pc:picChg chg="add del">
+          <ac:chgData name="Reinhard Maerz" userId="78ced2354a8af90e" providerId="LiveId" clId="{3D81F9C5-17D1-4925-BA6C-48E01D83B332}" dt="2022-09-08T07:45:57.051" v="121" actId="478"/>
+          <ac:picMkLst>
+            <pc:docMk/>
+            <pc:sldMk cId="3679844080" sldId="264"/>
+            <ac:picMk id="13" creationId="{97D05E52-F86C-91CD-4B4F-D003F119275C}"/>
+          </ac:picMkLst>
+        </pc:picChg>
+        <pc:picChg chg="add ord">
+          <ac:chgData name="Reinhard Maerz" userId="78ced2354a8af90e" providerId="LiveId" clId="{3D81F9C5-17D1-4925-BA6C-48E01D83B332}" dt="2022-09-08T07:46:04.764" v="123" actId="167"/>
+          <ac:picMkLst>
+            <pc:docMk/>
+            <pc:sldMk cId="3679844080" sldId="264"/>
+            <ac:picMk id="15" creationId="{46A64994-AAA5-F6BB-EBBE-0CCCD5C4A240}"/>
+          </ac:picMkLst>
+        </pc:picChg>
+        <pc:picChg chg="add mod modCrop">
+          <ac:chgData name="Reinhard Maerz" userId="78ced2354a8af90e" providerId="LiveId" clId="{3D81F9C5-17D1-4925-BA6C-48E01D83B332}" dt="2022-09-08T07:48:37.776" v="133" actId="1076"/>
+          <ac:picMkLst>
+            <pc:docMk/>
+            <pc:sldMk cId="3679844080" sldId="264"/>
+            <ac:picMk id="16" creationId="{A8AA707F-B2AC-0554-0AD4-3D01D77D1679}"/>
+          </ac:picMkLst>
+        </pc:picChg>
+        <pc:picChg chg="add mod">
+          <ac:chgData name="Reinhard Maerz" userId="78ced2354a8af90e" providerId="LiveId" clId="{3D81F9C5-17D1-4925-BA6C-48E01D83B332}" dt="2022-09-08T07:48:56.008" v="136" actId="571"/>
+          <ac:picMkLst>
+            <pc:docMk/>
+            <pc:sldMk cId="3679844080" sldId="264"/>
+            <ac:picMk id="17" creationId="{78108BF8-4205-7102-547D-D4FFEBD2E7B4}"/>
           </ac:picMkLst>
         </pc:picChg>
       </pc:sldChg>
@@ -1026,7 +1163,7 @@
           <a:p>
             <a:fld id="{C7BEB1A7-5A3D-4A9C-BD17-EBC6B62FCDDC}" type="datetimeFigureOut">
               <a:rPr lang="en-US" smtClean="0"/>
-              <a:t>6/23/2021</a:t>
+              <a:t>9/8/2022</a:t>
             </a:fld>
             <a:endParaRPr lang="en-US"/>
           </a:p>
@@ -1226,7 +1363,7 @@
           <a:p>
             <a:fld id="{C7BEB1A7-5A3D-4A9C-BD17-EBC6B62FCDDC}" type="datetimeFigureOut">
               <a:rPr lang="en-US" smtClean="0"/>
-              <a:t>6/23/2021</a:t>
+              <a:t>9/8/2022</a:t>
             </a:fld>
             <a:endParaRPr lang="en-US"/>
           </a:p>
@@ -1436,7 +1573,7 @@
           <a:p>
             <a:fld id="{C7BEB1A7-5A3D-4A9C-BD17-EBC6B62FCDDC}" type="datetimeFigureOut">
               <a:rPr lang="en-US" smtClean="0"/>
-              <a:t>6/23/2021</a:t>
+              <a:t>9/8/2022</a:t>
             </a:fld>
             <a:endParaRPr lang="en-US"/>
           </a:p>
@@ -1636,7 +1773,7 @@
           <a:p>
             <a:fld id="{C7BEB1A7-5A3D-4A9C-BD17-EBC6B62FCDDC}" type="datetimeFigureOut">
               <a:rPr lang="en-US" smtClean="0"/>
-              <a:t>6/23/2021</a:t>
+              <a:t>9/8/2022</a:t>
             </a:fld>
             <a:endParaRPr lang="en-US"/>
           </a:p>
@@ -1912,7 +2049,7 @@
           <a:p>
             <a:fld id="{C7BEB1A7-5A3D-4A9C-BD17-EBC6B62FCDDC}" type="datetimeFigureOut">
               <a:rPr lang="en-US" smtClean="0"/>
-              <a:t>6/23/2021</a:t>
+              <a:t>9/8/2022</a:t>
             </a:fld>
             <a:endParaRPr lang="en-US"/>
           </a:p>
@@ -2180,7 +2317,7 @@
           <a:p>
             <a:fld id="{C7BEB1A7-5A3D-4A9C-BD17-EBC6B62FCDDC}" type="datetimeFigureOut">
               <a:rPr lang="en-US" smtClean="0"/>
-              <a:t>6/23/2021</a:t>
+              <a:t>9/8/2022</a:t>
             </a:fld>
             <a:endParaRPr lang="en-US"/>
           </a:p>
@@ -2595,7 +2732,7 @@
           <a:p>
             <a:fld id="{C7BEB1A7-5A3D-4A9C-BD17-EBC6B62FCDDC}" type="datetimeFigureOut">
               <a:rPr lang="en-US" smtClean="0"/>
-              <a:t>6/23/2021</a:t>
+              <a:t>9/8/2022</a:t>
             </a:fld>
             <a:endParaRPr lang="en-US"/>
           </a:p>
@@ -2737,7 +2874,7 @@
           <a:p>
             <a:fld id="{C7BEB1A7-5A3D-4A9C-BD17-EBC6B62FCDDC}" type="datetimeFigureOut">
               <a:rPr lang="en-US" smtClean="0"/>
-              <a:t>6/23/2021</a:t>
+              <a:t>9/8/2022</a:t>
             </a:fld>
             <a:endParaRPr lang="en-US"/>
           </a:p>
@@ -2850,7 +2987,7 @@
           <a:p>
             <a:fld id="{C7BEB1A7-5A3D-4A9C-BD17-EBC6B62FCDDC}" type="datetimeFigureOut">
               <a:rPr lang="en-US" smtClean="0"/>
-              <a:t>6/23/2021</a:t>
+              <a:t>9/8/2022</a:t>
             </a:fld>
             <a:endParaRPr lang="en-US"/>
           </a:p>
@@ -3163,7 +3300,7 @@
           <a:p>
             <a:fld id="{C7BEB1A7-5A3D-4A9C-BD17-EBC6B62FCDDC}" type="datetimeFigureOut">
               <a:rPr lang="en-US" smtClean="0"/>
-              <a:t>6/23/2021</a:t>
+              <a:t>9/8/2022</a:t>
             </a:fld>
             <a:endParaRPr lang="en-US"/>
           </a:p>
@@ -3452,7 +3589,7 @@
           <a:p>
             <a:fld id="{C7BEB1A7-5A3D-4A9C-BD17-EBC6B62FCDDC}" type="datetimeFigureOut">
               <a:rPr lang="en-US" smtClean="0"/>
-              <a:t>6/23/2021</a:t>
+              <a:t>9/8/2022</a:t>
             </a:fld>
             <a:endParaRPr lang="en-US"/>
           </a:p>
@@ -3695,7 +3832,7 @@
           <a:p>
             <a:fld id="{C7BEB1A7-5A3D-4A9C-BD17-EBC6B62FCDDC}" type="datetimeFigureOut">
               <a:rPr lang="en-US" smtClean="0"/>
-              <a:t>6/23/2021</a:t>
+              <a:t>9/8/2022</a:t>
             </a:fld>
             <a:endParaRPr lang="en-US"/>
           </a:p>
@@ -7172,6 +7309,291 @@
 </p:sld>
 </file>
 
+<file path=ppt/slides/slide9.xml><?xml version="1.0" encoding="utf-8"?>
+<p:sld xmlns:a="http://schemas.openxmlformats.org/drawingml/2006/main" xmlns:r="http://schemas.openxmlformats.org/officeDocument/2006/relationships" xmlns:p="http://schemas.openxmlformats.org/presentationml/2006/main">
+  <p:cSld>
+    <p:spTree>
+      <p:nvGrpSpPr>
+        <p:cNvPr id="1" name=""/>
+        <p:cNvGrpSpPr/>
+        <p:nvPr/>
+      </p:nvGrpSpPr>
+      <p:grpSpPr>
+        <a:xfrm>
+          <a:off x="0" y="0"/>
+          <a:ext cx="0" cy="0"/>
+          <a:chOff x="0" y="0"/>
+          <a:chExt cx="0" cy="0"/>
+        </a:xfrm>
+      </p:grpSpPr>
+      <p:pic>
+        <p:nvPicPr>
+          <p:cNvPr id="15" name="Grafik 14">
+            <a:extLst>
+              <a:ext uri="{FF2B5EF4-FFF2-40B4-BE49-F238E27FC236}">
+                <a16:creationId xmlns:a16="http://schemas.microsoft.com/office/drawing/2014/main" id="{46A64994-AAA5-F6BB-EBBE-0CCCD5C4A240}"/>
+              </a:ext>
+            </a:extLst>
+          </p:cNvPr>
+          <p:cNvPicPr>
+            <a:picLocks noChangeAspect="1"/>
+          </p:cNvPicPr>
+          <p:nvPr/>
+        </p:nvPicPr>
+        <p:blipFill>
+          <a:blip r:embed="rId2"/>
+          <a:stretch>
+            <a:fillRect/>
+          </a:stretch>
+        </p:blipFill>
+        <p:spPr>
+          <a:xfrm>
+            <a:off x="2400542" y="0"/>
+            <a:ext cx="7390915" cy="6858000"/>
+          </a:xfrm>
+          <a:prstGeom prst="rect">
+            <a:avLst/>
+          </a:prstGeom>
+        </p:spPr>
+      </p:pic>
+      <p:sp>
+        <p:nvSpPr>
+          <p:cNvPr id="6" name="Sprechblase: rechteckig 5">
+            <a:extLst>
+              <a:ext uri="{FF2B5EF4-FFF2-40B4-BE49-F238E27FC236}">
+                <a16:creationId xmlns:a16="http://schemas.microsoft.com/office/drawing/2014/main" id="{1336303A-6325-9A30-94B2-D85FE36598E4}"/>
+              </a:ext>
+            </a:extLst>
+          </p:cNvPr>
+          <p:cNvSpPr/>
+          <p:nvPr/>
+        </p:nvSpPr>
+        <p:spPr>
+          <a:xfrm>
+            <a:off x="5353924" y="3774321"/>
+            <a:ext cx="1484149" cy="583214"/>
+          </a:xfrm>
+          <a:prstGeom prst="wedgeRectCallout">
+            <a:avLst>
+              <a:gd name="adj1" fmla="val 83774"/>
+              <a:gd name="adj2" fmla="val -23475"/>
+            </a:avLst>
+          </a:prstGeom>
+        </p:spPr>
+        <p:style>
+          <a:lnRef idx="2">
+            <a:schemeClr val="dk1"/>
+          </a:lnRef>
+          <a:fillRef idx="1">
+            <a:schemeClr val="lt1"/>
+          </a:fillRef>
+          <a:effectRef idx="0">
+            <a:schemeClr val="dk1"/>
+          </a:effectRef>
+          <a:fontRef idx="minor">
+            <a:schemeClr val="dk1"/>
+          </a:fontRef>
+        </p:style>
+        <p:txBody>
+          <a:bodyPr rtlCol="0" anchor="ctr"/>
+          <a:lstStyle/>
+          <a:p>
+            <a:pPr algn="ctr"/>
+            <a:r>
+              <a:rPr lang="de-DE" dirty="0" err="1"/>
+              <a:t>Rows</a:t>
+            </a:r>
+            <a:r>
+              <a:rPr lang="de-DE" dirty="0"/>
+              <a:t> </a:t>
+            </a:r>
+            <a:r>
+              <a:rPr lang="de-DE" dirty="0" err="1"/>
+              <a:t>to</a:t>
+            </a:r>
+            <a:r>
+              <a:rPr lang="de-DE" dirty="0"/>
+              <a:t> </a:t>
+            </a:r>
+            <a:r>
+              <a:rPr lang="de-DE" dirty="0" err="1"/>
+              <a:t>be</a:t>
+            </a:r>
+            <a:r>
+              <a:rPr lang="de-DE" dirty="0"/>
+              <a:t> </a:t>
+            </a:r>
+          </a:p>
+          <a:p>
+            <a:pPr algn="ctr"/>
+            <a:r>
+              <a:rPr lang="de-DE" dirty="0" err="1"/>
+              <a:t>moved</a:t>
+            </a:r>
+            <a:endParaRPr lang="en-US" dirty="0"/>
+          </a:p>
+        </p:txBody>
+      </p:sp>
+      <p:sp>
+        <p:nvSpPr>
+          <p:cNvPr id="11" name="Sprechblase: rechteckig 10">
+            <a:extLst>
+              <a:ext uri="{FF2B5EF4-FFF2-40B4-BE49-F238E27FC236}">
+                <a16:creationId xmlns:a16="http://schemas.microsoft.com/office/drawing/2014/main" id="{965B5011-D2F8-E450-79E2-E6180296DAC4}"/>
+              </a:ext>
+            </a:extLst>
+          </p:cNvPr>
+          <p:cNvSpPr/>
+          <p:nvPr/>
+        </p:nvSpPr>
+        <p:spPr>
+          <a:xfrm>
+            <a:off x="5297864" y="903992"/>
+            <a:ext cx="1767953" cy="369864"/>
+          </a:xfrm>
+          <a:prstGeom prst="wedgeRectCallout">
+            <a:avLst>
+              <a:gd name="adj1" fmla="val 80133"/>
+              <a:gd name="adj2" fmla="val 22402"/>
+            </a:avLst>
+          </a:prstGeom>
+        </p:spPr>
+        <p:style>
+          <a:lnRef idx="2">
+            <a:schemeClr val="dk1"/>
+          </a:lnRef>
+          <a:fillRef idx="1">
+            <a:schemeClr val="lt1"/>
+          </a:fillRef>
+          <a:effectRef idx="0">
+            <a:schemeClr val="dk1"/>
+          </a:effectRef>
+          <a:fontRef idx="minor">
+            <a:schemeClr val="dk1"/>
+          </a:fontRef>
+        </p:style>
+        <p:txBody>
+          <a:bodyPr rtlCol="0" anchor="ctr"/>
+          <a:lstStyle/>
+          <a:p>
+            <a:pPr algn="ctr"/>
+            <a:r>
+              <a:rPr lang="de-DE" dirty="0" err="1"/>
+              <a:t>column</a:t>
+            </a:r>
+            <a:r>
+              <a:rPr lang="de-DE" dirty="0"/>
+              <a:t> </a:t>
+            </a:r>
+            <a:r>
+              <a:rPr lang="de-DE" dirty="0" err="1"/>
+              <a:t>header</a:t>
+            </a:r>
+            <a:endParaRPr lang="en-US" dirty="0"/>
+          </a:p>
+        </p:txBody>
+      </p:sp>
+      <p:pic>
+        <p:nvPicPr>
+          <p:cNvPr id="16" name="Grafik 15">
+            <a:extLst>
+              <a:ext uri="{FF2B5EF4-FFF2-40B4-BE49-F238E27FC236}">
+                <a16:creationId xmlns:a16="http://schemas.microsoft.com/office/drawing/2014/main" id="{A8AA707F-B2AC-0554-0AD4-3D01D77D1679}"/>
+              </a:ext>
+            </a:extLst>
+          </p:cNvPr>
+          <p:cNvPicPr>
+            <a:picLocks noChangeAspect="1"/>
+          </p:cNvPicPr>
+          <p:nvPr/>
+        </p:nvPicPr>
+        <p:blipFill rotWithShape="1">
+          <a:blip r:embed="rId2"/>
+          <a:srcRect l="71981" t="52646" r="4806" b="39519"/>
+          <a:stretch/>
+        </p:blipFill>
+        <p:spPr>
+          <a:xfrm>
+            <a:off x="7795968" y="2706740"/>
+            <a:ext cx="1715678" cy="537328"/>
+          </a:xfrm>
+          <a:prstGeom prst="rect">
+            <a:avLst/>
+          </a:prstGeom>
+        </p:spPr>
+      </p:pic>
+      <p:sp>
+        <p:nvSpPr>
+          <p:cNvPr id="19" name="Sprechblase: rechteckig 18">
+            <a:extLst>
+              <a:ext uri="{FF2B5EF4-FFF2-40B4-BE49-F238E27FC236}">
+                <a16:creationId xmlns:a16="http://schemas.microsoft.com/office/drawing/2014/main" id="{89F6AA2A-5461-3A86-2E6B-BCC7F14D873E}"/>
+              </a:ext>
+            </a:extLst>
+          </p:cNvPr>
+          <p:cNvSpPr/>
+          <p:nvPr/>
+        </p:nvSpPr>
+        <p:spPr>
+          <a:xfrm>
+            <a:off x="5439765" y="2792072"/>
+            <a:ext cx="1484149" cy="583214"/>
+          </a:xfrm>
+          <a:prstGeom prst="wedgeRectCallout">
+            <a:avLst>
+              <a:gd name="adj1" fmla="val 83774"/>
+              <a:gd name="adj2" fmla="val -23475"/>
+            </a:avLst>
+          </a:prstGeom>
+        </p:spPr>
+        <p:style>
+          <a:lnRef idx="2">
+            <a:schemeClr val="dk1"/>
+          </a:lnRef>
+          <a:fillRef idx="1">
+            <a:schemeClr val="lt1"/>
+          </a:fillRef>
+          <a:effectRef idx="0">
+            <a:schemeClr val="dk1"/>
+          </a:effectRef>
+          <a:fontRef idx="minor">
+            <a:schemeClr val="dk1"/>
+          </a:fontRef>
+        </p:style>
+        <p:txBody>
+          <a:bodyPr rtlCol="0" anchor="ctr"/>
+          <a:lstStyle/>
+          <a:p>
+            <a:pPr algn="ctr"/>
+            <a:r>
+              <a:rPr lang="de-DE" dirty="0" err="1"/>
+              <a:t>Rows</a:t>
+            </a:r>
+            <a:r>
+              <a:rPr lang="de-DE" dirty="0"/>
+              <a:t> </a:t>
+            </a:r>
+            <a:r>
+              <a:rPr lang="de-DE" dirty="0" err="1"/>
+              <a:t>dragged</a:t>
+            </a:r>
+            <a:endParaRPr lang="en-US" dirty="0"/>
+          </a:p>
+        </p:txBody>
+      </p:sp>
+    </p:spTree>
+    <p:extLst>
+      <p:ext uri="{BB962C8B-B14F-4D97-AF65-F5344CB8AC3E}">
+        <p14:creationId xmlns:p14="http://schemas.microsoft.com/office/powerpoint/2010/main" val="3679844080"/>
+      </p:ext>
+    </p:extLst>
+  </p:cSld>
+  <p:clrMapOvr>
+    <a:masterClrMapping/>
+  </p:clrMapOvr>
+</p:sld>
+</file>
+
 <file path=ppt/theme/theme1.xml><?xml version="1.0" encoding="utf-8"?>
 <a:theme xmlns:a="http://schemas.openxmlformats.org/drawingml/2006/main" name="Office">
   <a:themeElements>

--- a/doc/screenshots.pptx
+++ b/doc/screenshots.pptx
@@ -14,6 +14,8 @@
     <p:sldId id="262" r:id="rId8"/>
     <p:sldId id="263" r:id="rId9"/>
     <p:sldId id="264" r:id="rId10"/>
+    <p:sldId id="265" r:id="rId11"/>
+    <p:sldId id="266" r:id="rId12"/>
   </p:sldIdLst>
   <p:sldSz cx="12192000" cy="6858000"/>
   <p:notesSz cx="6858000" cy="9144000"/>
@@ -123,7 +125,7 @@
 <file path=ppt/revisionInfo.xml><?xml version="1.0" encoding="utf-8"?>
 <p1510:revInfo xmlns:a="http://schemas.openxmlformats.org/drawingml/2006/main" xmlns:r="http://schemas.openxmlformats.org/officeDocument/2006/relationships" xmlns:p1510="http://schemas.microsoft.com/office/powerpoint/2015/10/main">
   <p1510:revLst>
-    <p1510:client id="{3D81F9C5-17D1-4925-BA6C-48E01D83B332}" v="7" dt="2022-09-08T07:49:03.547"/>
+    <p1510:client id="{9D58249B-676F-455C-82FA-301010A4817A}" v="13" dt="2023-01-30T15:25:42.930"/>
   </p1510:revLst>
 </p1510:revInfo>
 </file>
@@ -870,6 +872,141 @@
             <pc:docMk/>
             <pc:sldMk cId="1744183575" sldId="263"/>
             <ac:picMk id="11" creationId="{75BC3D7F-1C40-4167-8FD9-DB8056896E8F}"/>
+          </ac:picMkLst>
+        </pc:picChg>
+      </pc:sldChg>
+    </pc:docChg>
+  </pc:docChgLst>
+  <pc:docChgLst>
+    <pc:chgData name="Reinhard Maerz" userId="78ced2354a8af90e" providerId="LiveId" clId="{9D58249B-676F-455C-82FA-301010A4817A}"/>
+    <pc:docChg chg="custSel addSld modSld">
+      <pc:chgData name="Reinhard Maerz" userId="78ced2354a8af90e" providerId="LiveId" clId="{9D58249B-676F-455C-82FA-301010A4817A}" dt="2023-01-30T15:26:08.028" v="125" actId="478"/>
+      <pc:docMkLst>
+        <pc:docMk/>
+      </pc:docMkLst>
+      <pc:sldChg chg="addSp delSp modSp new mod">
+        <pc:chgData name="Reinhard Maerz" userId="78ced2354a8af90e" providerId="LiveId" clId="{9D58249B-676F-455C-82FA-301010A4817A}" dt="2023-01-30T15:10:30.573" v="86" actId="14100"/>
+        <pc:sldMkLst>
+          <pc:docMk/>
+          <pc:sldMk cId="1387293475" sldId="265"/>
+        </pc:sldMkLst>
+        <pc:spChg chg="add mod">
+          <ac:chgData name="Reinhard Maerz" userId="78ced2354a8af90e" providerId="LiveId" clId="{9D58249B-676F-455C-82FA-301010A4817A}" dt="2023-01-30T14:56:07.440" v="57" actId="20577"/>
+          <ac:spMkLst>
+            <pc:docMk/>
+            <pc:sldMk cId="1387293475" sldId="265"/>
+            <ac:spMk id="4" creationId="{72FBC30E-8E4D-70E6-5E96-8F1D052BA5AF}"/>
+          </ac:spMkLst>
+        </pc:spChg>
+        <pc:spChg chg="add mod">
+          <ac:chgData name="Reinhard Maerz" userId="78ced2354a8af90e" providerId="LiveId" clId="{9D58249B-676F-455C-82FA-301010A4817A}" dt="2023-01-30T14:55:03.525" v="48" actId="1076"/>
+          <ac:spMkLst>
+            <pc:docMk/>
+            <pc:sldMk cId="1387293475" sldId="265"/>
+            <ac:spMk id="5" creationId="{D4F63454-68AF-AC76-4F4A-5911819D0F2B}"/>
+          </ac:spMkLst>
+        </pc:spChg>
+        <pc:spChg chg="add del mod">
+          <ac:chgData name="Reinhard Maerz" userId="78ced2354a8af90e" providerId="LiveId" clId="{9D58249B-676F-455C-82FA-301010A4817A}" dt="2023-01-30T14:54:29.807" v="34" actId="478"/>
+          <ac:spMkLst>
+            <pc:docMk/>
+            <pc:sldMk cId="1387293475" sldId="265"/>
+            <ac:spMk id="6" creationId="{64E7FA7A-3CCB-9FE0-5D7A-F75A59CF74FA}"/>
+          </ac:spMkLst>
+        </pc:spChg>
+        <pc:spChg chg="add mod">
+          <ac:chgData name="Reinhard Maerz" userId="78ced2354a8af90e" providerId="LiveId" clId="{9D58249B-676F-455C-82FA-301010A4817A}" dt="2023-01-30T15:10:30.573" v="86" actId="14100"/>
+          <ac:spMkLst>
+            <pc:docMk/>
+            <pc:sldMk cId="1387293475" sldId="265"/>
+            <ac:spMk id="7" creationId="{CCAB2FF7-4704-A1B0-3ABF-00ABFFAC7BD2}"/>
+          </ac:spMkLst>
+        </pc:spChg>
+        <pc:spChg chg="add mod ord">
+          <ac:chgData name="Reinhard Maerz" userId="78ced2354a8af90e" providerId="LiveId" clId="{9D58249B-676F-455C-82FA-301010A4817A}" dt="2023-01-30T14:57:17.689" v="68" actId="14100"/>
+          <ac:spMkLst>
+            <pc:docMk/>
+            <pc:sldMk cId="1387293475" sldId="265"/>
+            <ac:spMk id="8" creationId="{7436A7C3-1657-B6D1-A1DB-C5F389758111}"/>
+          </ac:spMkLst>
+        </pc:spChg>
+        <pc:spChg chg="add mod ord">
+          <ac:chgData name="Reinhard Maerz" userId="78ced2354a8af90e" providerId="LiveId" clId="{9D58249B-676F-455C-82FA-301010A4817A}" dt="2023-01-30T14:58:18.349" v="80" actId="14100"/>
+          <ac:spMkLst>
+            <pc:docMk/>
+            <pc:sldMk cId="1387293475" sldId="265"/>
+            <ac:spMk id="9" creationId="{662CA4ED-9F3A-7E1B-9FAF-E95B7FBD2713}"/>
+          </ac:spMkLst>
+        </pc:spChg>
+        <pc:spChg chg="add mod ord">
+          <ac:chgData name="Reinhard Maerz" userId="78ced2354a8af90e" providerId="LiveId" clId="{9D58249B-676F-455C-82FA-301010A4817A}" dt="2023-01-30T14:58:26.034" v="81" actId="14100"/>
+          <ac:spMkLst>
+            <pc:docMk/>
+            <pc:sldMk cId="1387293475" sldId="265"/>
+            <ac:spMk id="10" creationId="{FAD0A0CC-5837-10D9-DD79-F0424801B08F}"/>
+          </ac:spMkLst>
+        </pc:spChg>
+        <pc:spChg chg="add mod ord">
+          <ac:chgData name="Reinhard Maerz" userId="78ced2354a8af90e" providerId="LiveId" clId="{9D58249B-676F-455C-82FA-301010A4817A}" dt="2023-01-30T14:58:06.523" v="79" actId="14100"/>
+          <ac:spMkLst>
+            <pc:docMk/>
+            <pc:sldMk cId="1387293475" sldId="265"/>
+            <ac:spMk id="11" creationId="{F6464ABF-A40E-F84B-ABDB-D3C087D350AE}"/>
+          </ac:spMkLst>
+        </pc:spChg>
+        <pc:picChg chg="add mod ord">
+          <ac:chgData name="Reinhard Maerz" userId="78ced2354a8af90e" providerId="LiveId" clId="{9D58249B-676F-455C-82FA-301010A4817A}" dt="2023-01-30T14:57:41.100" v="73" actId="167"/>
+          <ac:picMkLst>
+            <pc:docMk/>
+            <pc:sldMk cId="1387293475" sldId="265"/>
+            <ac:picMk id="3" creationId="{1E3F988C-3EBA-4844-6EDF-C710F11AF7EC}"/>
+          </ac:picMkLst>
+        </pc:picChg>
+      </pc:sldChg>
+      <pc:sldChg chg="addSp delSp modSp new mod">
+        <pc:chgData name="Reinhard Maerz" userId="78ced2354a8af90e" providerId="LiveId" clId="{9D58249B-676F-455C-82FA-301010A4817A}" dt="2023-01-30T15:26:08.028" v="125" actId="478"/>
+        <pc:sldMkLst>
+          <pc:docMk/>
+          <pc:sldMk cId="1568839068" sldId="266"/>
+        </pc:sldMkLst>
+        <pc:spChg chg="add mod">
+          <ac:chgData name="Reinhard Maerz" userId="78ced2354a8af90e" providerId="LiveId" clId="{9D58249B-676F-455C-82FA-301010A4817A}" dt="2023-01-30T15:20:53.992" v="91" actId="14100"/>
+          <ac:spMkLst>
+            <pc:docMk/>
+            <pc:sldMk cId="1568839068" sldId="266"/>
+            <ac:spMk id="4" creationId="{A42C9327-8250-D565-7742-81A89B806327}"/>
+          </ac:spMkLst>
+        </pc:spChg>
+        <pc:spChg chg="add mod">
+          <ac:chgData name="Reinhard Maerz" userId="78ced2354a8af90e" providerId="LiveId" clId="{9D58249B-676F-455C-82FA-301010A4817A}" dt="2023-01-30T15:23:04.604" v="122" actId="14100"/>
+          <ac:spMkLst>
+            <pc:docMk/>
+            <pc:sldMk cId="1568839068" sldId="266"/>
+            <ac:spMk id="5" creationId="{21DCE7AA-4F01-E557-53AB-6F18E3868B7D}"/>
+          </ac:spMkLst>
+        </pc:spChg>
+        <pc:spChg chg="add mod">
+          <ac:chgData name="Reinhard Maerz" userId="78ced2354a8af90e" providerId="LiveId" clId="{9D58249B-676F-455C-82FA-301010A4817A}" dt="2023-01-30T15:22:21.476" v="120" actId="14100"/>
+          <ac:spMkLst>
+            <pc:docMk/>
+            <pc:sldMk cId="1568839068" sldId="266"/>
+            <ac:spMk id="6" creationId="{1ECFC9EE-7BA5-63BD-DDA2-935F60815688}"/>
+          </ac:spMkLst>
+        </pc:spChg>
+        <pc:picChg chg="add del mod">
+          <ac:chgData name="Reinhard Maerz" userId="78ced2354a8af90e" providerId="LiveId" clId="{9D58249B-676F-455C-82FA-301010A4817A}" dt="2023-01-30T15:26:08.028" v="125" actId="478"/>
+          <ac:picMkLst>
+            <pc:docMk/>
+            <pc:sldMk cId="1568839068" sldId="266"/>
+            <ac:picMk id="3" creationId="{2D82E1AE-5423-75D1-619E-C65DC04E0296}"/>
+          </ac:picMkLst>
+        </pc:picChg>
+        <pc:picChg chg="add mod ord">
+          <ac:chgData name="Reinhard Maerz" userId="78ced2354a8af90e" providerId="LiveId" clId="{9D58249B-676F-455C-82FA-301010A4817A}" dt="2023-01-30T15:25:50.701" v="124" actId="167"/>
+          <ac:picMkLst>
+            <pc:docMk/>
+            <pc:sldMk cId="1568839068" sldId="266"/>
+            <ac:picMk id="8" creationId="{9E67E58E-95B1-BBE3-D7B3-09954002A21A}"/>
           </ac:picMkLst>
         </pc:picChg>
       </pc:sldChg>
@@ -1163,7 +1300,7 @@
           <a:p>
             <a:fld id="{C7BEB1A7-5A3D-4A9C-BD17-EBC6B62FCDDC}" type="datetimeFigureOut">
               <a:rPr lang="en-US" smtClean="0"/>
-              <a:t>9/8/2022</a:t>
+              <a:t>1/30/2023</a:t>
             </a:fld>
             <a:endParaRPr lang="en-US"/>
           </a:p>
@@ -1363,7 +1500,7 @@
           <a:p>
             <a:fld id="{C7BEB1A7-5A3D-4A9C-BD17-EBC6B62FCDDC}" type="datetimeFigureOut">
               <a:rPr lang="en-US" smtClean="0"/>
-              <a:t>9/8/2022</a:t>
+              <a:t>1/30/2023</a:t>
             </a:fld>
             <a:endParaRPr lang="en-US"/>
           </a:p>
@@ -1573,7 +1710,7 @@
           <a:p>
             <a:fld id="{C7BEB1A7-5A3D-4A9C-BD17-EBC6B62FCDDC}" type="datetimeFigureOut">
               <a:rPr lang="en-US" smtClean="0"/>
-              <a:t>9/8/2022</a:t>
+              <a:t>1/30/2023</a:t>
             </a:fld>
             <a:endParaRPr lang="en-US"/>
           </a:p>
@@ -1773,7 +1910,7 @@
           <a:p>
             <a:fld id="{C7BEB1A7-5A3D-4A9C-BD17-EBC6B62FCDDC}" type="datetimeFigureOut">
               <a:rPr lang="en-US" smtClean="0"/>
-              <a:t>9/8/2022</a:t>
+              <a:t>1/30/2023</a:t>
             </a:fld>
             <a:endParaRPr lang="en-US"/>
           </a:p>
@@ -2049,7 +2186,7 @@
           <a:p>
             <a:fld id="{C7BEB1A7-5A3D-4A9C-BD17-EBC6B62FCDDC}" type="datetimeFigureOut">
               <a:rPr lang="en-US" smtClean="0"/>
-              <a:t>9/8/2022</a:t>
+              <a:t>1/30/2023</a:t>
             </a:fld>
             <a:endParaRPr lang="en-US"/>
           </a:p>
@@ -2317,7 +2454,7 @@
           <a:p>
             <a:fld id="{C7BEB1A7-5A3D-4A9C-BD17-EBC6B62FCDDC}" type="datetimeFigureOut">
               <a:rPr lang="en-US" smtClean="0"/>
-              <a:t>9/8/2022</a:t>
+              <a:t>1/30/2023</a:t>
             </a:fld>
             <a:endParaRPr lang="en-US"/>
           </a:p>
@@ -2732,7 +2869,7 @@
           <a:p>
             <a:fld id="{C7BEB1A7-5A3D-4A9C-BD17-EBC6B62FCDDC}" type="datetimeFigureOut">
               <a:rPr lang="en-US" smtClean="0"/>
-              <a:t>9/8/2022</a:t>
+              <a:t>1/30/2023</a:t>
             </a:fld>
             <a:endParaRPr lang="en-US"/>
           </a:p>
@@ -2874,7 +3011,7 @@
           <a:p>
             <a:fld id="{C7BEB1A7-5A3D-4A9C-BD17-EBC6B62FCDDC}" type="datetimeFigureOut">
               <a:rPr lang="en-US" smtClean="0"/>
-              <a:t>9/8/2022</a:t>
+              <a:t>1/30/2023</a:t>
             </a:fld>
             <a:endParaRPr lang="en-US"/>
           </a:p>
@@ -2987,7 +3124,7 @@
           <a:p>
             <a:fld id="{C7BEB1A7-5A3D-4A9C-BD17-EBC6B62FCDDC}" type="datetimeFigureOut">
               <a:rPr lang="en-US" smtClean="0"/>
-              <a:t>9/8/2022</a:t>
+              <a:t>1/30/2023</a:t>
             </a:fld>
             <a:endParaRPr lang="en-US"/>
           </a:p>
@@ -3300,7 +3437,7 @@
           <a:p>
             <a:fld id="{C7BEB1A7-5A3D-4A9C-BD17-EBC6B62FCDDC}" type="datetimeFigureOut">
               <a:rPr lang="en-US" smtClean="0"/>
-              <a:t>9/8/2022</a:t>
+              <a:t>1/30/2023</a:t>
             </a:fld>
             <a:endParaRPr lang="en-US"/>
           </a:p>
@@ -3589,7 +3726,7 @@
           <a:p>
             <a:fld id="{C7BEB1A7-5A3D-4A9C-BD17-EBC6B62FCDDC}" type="datetimeFigureOut">
               <a:rPr lang="en-US" smtClean="0"/>
-              <a:t>9/8/2022</a:t>
+              <a:t>1/30/2023</a:t>
             </a:fld>
             <a:endParaRPr lang="en-US"/>
           </a:p>
@@ -3832,7 +3969,7 @@
           <a:p>
             <a:fld id="{C7BEB1A7-5A3D-4A9C-BD17-EBC6B62FCDDC}" type="datetimeFigureOut">
               <a:rPr lang="en-US" smtClean="0"/>
-              <a:t>9/8/2022</a:t>
+              <a:t>1/30/2023</a:t>
             </a:fld>
             <a:endParaRPr lang="en-US"/>
           </a:p>
@@ -4936,6 +5073,631 @@
 </p:sld>
 </file>
 
+<file path=ppt/slides/slide10.xml><?xml version="1.0" encoding="utf-8"?>
+<p:sld xmlns:a="http://schemas.openxmlformats.org/drawingml/2006/main" xmlns:r="http://schemas.openxmlformats.org/officeDocument/2006/relationships" xmlns:p="http://schemas.openxmlformats.org/presentationml/2006/main">
+  <p:cSld>
+    <p:spTree>
+      <p:nvGrpSpPr>
+        <p:cNvPr id="1" name=""/>
+        <p:cNvGrpSpPr/>
+        <p:nvPr/>
+      </p:nvGrpSpPr>
+      <p:grpSpPr>
+        <a:xfrm>
+          <a:off x="0" y="0"/>
+          <a:ext cx="0" cy="0"/>
+          <a:chOff x="0" y="0"/>
+          <a:chExt cx="0" cy="0"/>
+        </a:xfrm>
+      </p:grpSpPr>
+      <p:pic>
+        <p:nvPicPr>
+          <p:cNvPr id="3" name="Grafik 2">
+            <a:extLst>
+              <a:ext uri="{FF2B5EF4-FFF2-40B4-BE49-F238E27FC236}">
+                <a16:creationId xmlns:a16="http://schemas.microsoft.com/office/drawing/2014/main" id="{1E3F988C-3EBA-4844-6EDF-C710F11AF7EC}"/>
+              </a:ext>
+            </a:extLst>
+          </p:cNvPr>
+          <p:cNvPicPr>
+            <a:picLocks noChangeAspect="1"/>
+          </p:cNvPicPr>
+          <p:nvPr/>
+        </p:nvPicPr>
+        <p:blipFill>
+          <a:blip r:embed="rId2">
+            <a:extLst>
+              <a:ext uri="{28A0092B-C50C-407E-A947-70E740481C1C}">
+                <a14:useLocalDpi xmlns:a14="http://schemas.microsoft.com/office/drawing/2010/main" val="0"/>
+              </a:ext>
+            </a:extLst>
+          </a:blip>
+          <a:stretch>
+            <a:fillRect/>
+          </a:stretch>
+        </p:blipFill>
+        <p:spPr>
+          <a:xfrm>
+            <a:off x="3400049" y="1233181"/>
+            <a:ext cx="5391902" cy="4391638"/>
+          </a:xfrm>
+          <a:prstGeom prst="rect">
+            <a:avLst/>
+          </a:prstGeom>
+        </p:spPr>
+      </p:pic>
+      <p:sp>
+        <p:nvSpPr>
+          <p:cNvPr id="11" name="Sprechblase: rechteckig 10">
+            <a:extLst>
+              <a:ext uri="{FF2B5EF4-FFF2-40B4-BE49-F238E27FC236}">
+                <a16:creationId xmlns:a16="http://schemas.microsoft.com/office/drawing/2014/main" id="{F6464ABF-A40E-F84B-ABDB-D3C087D350AE}"/>
+              </a:ext>
+            </a:extLst>
+          </p:cNvPr>
+          <p:cNvSpPr/>
+          <p:nvPr/>
+        </p:nvSpPr>
+        <p:spPr>
+          <a:xfrm>
+            <a:off x="8675856" y="1229651"/>
+            <a:ext cx="1325984" cy="567043"/>
+          </a:xfrm>
+          <a:prstGeom prst="wedgeRectCallout">
+            <a:avLst>
+              <a:gd name="adj1" fmla="val -48688"/>
+              <a:gd name="adj2" fmla="val 600645"/>
+            </a:avLst>
+          </a:prstGeom>
+        </p:spPr>
+        <p:style>
+          <a:lnRef idx="2">
+            <a:schemeClr val="dk1"/>
+          </a:lnRef>
+          <a:fillRef idx="1">
+            <a:schemeClr val="lt1"/>
+          </a:fillRef>
+          <a:effectRef idx="0">
+            <a:schemeClr val="dk1"/>
+          </a:effectRef>
+          <a:fontRef idx="minor">
+            <a:schemeClr val="dk1"/>
+          </a:fontRef>
+        </p:style>
+        <p:txBody>
+          <a:bodyPr rtlCol="0" anchor="ctr"/>
+          <a:lstStyle/>
+          <a:p>
+            <a:pPr algn="ctr"/>
+            <a:endParaRPr lang="en-US" dirty="0"/>
+          </a:p>
+        </p:txBody>
+      </p:sp>
+      <p:sp>
+        <p:nvSpPr>
+          <p:cNvPr id="10" name="Sprechblase: rechteckig 9">
+            <a:extLst>
+              <a:ext uri="{FF2B5EF4-FFF2-40B4-BE49-F238E27FC236}">
+                <a16:creationId xmlns:a16="http://schemas.microsoft.com/office/drawing/2014/main" id="{FAD0A0CC-5837-10D9-DD79-F0424801B08F}"/>
+              </a:ext>
+            </a:extLst>
+          </p:cNvPr>
+          <p:cNvSpPr/>
+          <p:nvPr/>
+        </p:nvSpPr>
+        <p:spPr>
+          <a:xfrm>
+            <a:off x="8675856" y="1234935"/>
+            <a:ext cx="1325984" cy="567043"/>
+          </a:xfrm>
+          <a:prstGeom prst="wedgeRectCallout">
+            <a:avLst>
+              <a:gd name="adj1" fmla="val -52953"/>
+              <a:gd name="adj2" fmla="val 494249"/>
+            </a:avLst>
+          </a:prstGeom>
+        </p:spPr>
+        <p:style>
+          <a:lnRef idx="2">
+            <a:schemeClr val="dk1"/>
+          </a:lnRef>
+          <a:fillRef idx="1">
+            <a:schemeClr val="lt1"/>
+          </a:fillRef>
+          <a:effectRef idx="0">
+            <a:schemeClr val="dk1"/>
+          </a:effectRef>
+          <a:fontRef idx="minor">
+            <a:schemeClr val="dk1"/>
+          </a:fontRef>
+        </p:style>
+        <p:txBody>
+          <a:bodyPr rtlCol="0" anchor="ctr"/>
+          <a:lstStyle/>
+          <a:p>
+            <a:pPr algn="ctr"/>
+            <a:endParaRPr lang="en-US" dirty="0"/>
+          </a:p>
+        </p:txBody>
+      </p:sp>
+      <p:sp>
+        <p:nvSpPr>
+          <p:cNvPr id="9" name="Sprechblase: rechteckig 8">
+            <a:extLst>
+              <a:ext uri="{FF2B5EF4-FFF2-40B4-BE49-F238E27FC236}">
+                <a16:creationId xmlns:a16="http://schemas.microsoft.com/office/drawing/2014/main" id="{662CA4ED-9F3A-7E1B-9FAF-E95B7FBD2713}"/>
+              </a:ext>
+            </a:extLst>
+          </p:cNvPr>
+          <p:cNvSpPr/>
+          <p:nvPr/>
+        </p:nvSpPr>
+        <p:spPr>
+          <a:xfrm>
+            <a:off x="8675856" y="1231405"/>
+            <a:ext cx="1325984" cy="567043"/>
+          </a:xfrm>
+          <a:prstGeom prst="wedgeRectCallout">
+            <a:avLst>
+              <a:gd name="adj1" fmla="val -52953"/>
+              <a:gd name="adj2" fmla="val 387851"/>
+            </a:avLst>
+          </a:prstGeom>
+        </p:spPr>
+        <p:style>
+          <a:lnRef idx="2">
+            <a:schemeClr val="dk1"/>
+          </a:lnRef>
+          <a:fillRef idx="1">
+            <a:schemeClr val="lt1"/>
+          </a:fillRef>
+          <a:effectRef idx="0">
+            <a:schemeClr val="dk1"/>
+          </a:effectRef>
+          <a:fontRef idx="minor">
+            <a:schemeClr val="dk1"/>
+          </a:fontRef>
+        </p:style>
+        <p:txBody>
+          <a:bodyPr rtlCol="0" anchor="ctr"/>
+          <a:lstStyle/>
+          <a:p>
+            <a:pPr algn="ctr"/>
+            <a:endParaRPr lang="en-US" dirty="0"/>
+          </a:p>
+        </p:txBody>
+      </p:sp>
+      <p:sp>
+        <p:nvSpPr>
+          <p:cNvPr id="8" name="Sprechblase: rechteckig 7">
+            <a:extLst>
+              <a:ext uri="{FF2B5EF4-FFF2-40B4-BE49-F238E27FC236}">
+                <a16:creationId xmlns:a16="http://schemas.microsoft.com/office/drawing/2014/main" id="{7436A7C3-1657-B6D1-A1DB-C5F389758111}"/>
+              </a:ext>
+            </a:extLst>
+          </p:cNvPr>
+          <p:cNvSpPr/>
+          <p:nvPr/>
+        </p:nvSpPr>
+        <p:spPr>
+          <a:xfrm>
+            <a:off x="8675856" y="1232293"/>
+            <a:ext cx="1325984" cy="567043"/>
+          </a:xfrm>
+          <a:prstGeom prst="wedgeRectCallout">
+            <a:avLst>
+              <a:gd name="adj1" fmla="val -51531"/>
+              <a:gd name="adj2" fmla="val 190020"/>
+            </a:avLst>
+          </a:prstGeom>
+        </p:spPr>
+        <p:style>
+          <a:lnRef idx="2">
+            <a:schemeClr val="dk1"/>
+          </a:lnRef>
+          <a:fillRef idx="1">
+            <a:schemeClr val="lt1"/>
+          </a:fillRef>
+          <a:effectRef idx="0">
+            <a:schemeClr val="dk1"/>
+          </a:effectRef>
+          <a:fontRef idx="minor">
+            <a:schemeClr val="dk1"/>
+          </a:fontRef>
+        </p:style>
+        <p:txBody>
+          <a:bodyPr rtlCol="0" anchor="ctr"/>
+          <a:lstStyle/>
+          <a:p>
+            <a:pPr algn="ctr"/>
+            <a:endParaRPr lang="en-US" dirty="0"/>
+          </a:p>
+        </p:txBody>
+      </p:sp>
+      <p:sp>
+        <p:nvSpPr>
+          <p:cNvPr id="4" name="Sprechblase: rechteckig 3">
+            <a:extLst>
+              <a:ext uri="{FF2B5EF4-FFF2-40B4-BE49-F238E27FC236}">
+                <a16:creationId xmlns:a16="http://schemas.microsoft.com/office/drawing/2014/main" id="{72FBC30E-8E4D-70E6-5E96-8F1D052BA5AF}"/>
+              </a:ext>
+            </a:extLst>
+          </p:cNvPr>
+          <p:cNvSpPr/>
+          <p:nvPr/>
+        </p:nvSpPr>
+        <p:spPr>
+          <a:xfrm>
+            <a:off x="8675856" y="1233181"/>
+            <a:ext cx="1325984" cy="567043"/>
+          </a:xfrm>
+          <a:prstGeom prst="wedgeRectCallout">
+            <a:avLst>
+              <a:gd name="adj1" fmla="val -56508"/>
+              <a:gd name="adj2" fmla="val 90273"/>
+            </a:avLst>
+          </a:prstGeom>
+        </p:spPr>
+        <p:style>
+          <a:lnRef idx="2">
+            <a:schemeClr val="dk1"/>
+          </a:lnRef>
+          <a:fillRef idx="1">
+            <a:schemeClr val="lt1"/>
+          </a:fillRef>
+          <a:effectRef idx="0">
+            <a:schemeClr val="dk1"/>
+          </a:effectRef>
+          <a:fontRef idx="minor">
+            <a:schemeClr val="dk1"/>
+          </a:fontRef>
+        </p:style>
+        <p:txBody>
+          <a:bodyPr rtlCol="0" anchor="ctr"/>
+          <a:lstStyle/>
+          <a:p>
+            <a:pPr algn="ctr"/>
+            <a:r>
+              <a:rPr lang="de-DE" dirty="0"/>
+              <a:t>additional </a:t>
+            </a:r>
+            <a:r>
+              <a:rPr lang="de-DE" dirty="0" err="1"/>
+              <a:t>properties</a:t>
+            </a:r>
+            <a:endParaRPr lang="en-US" dirty="0"/>
+          </a:p>
+        </p:txBody>
+      </p:sp>
+      <p:sp>
+        <p:nvSpPr>
+          <p:cNvPr id="5" name="Sprechblase: rechteckig 4">
+            <a:extLst>
+              <a:ext uri="{FF2B5EF4-FFF2-40B4-BE49-F238E27FC236}">
+                <a16:creationId xmlns:a16="http://schemas.microsoft.com/office/drawing/2014/main" id="{D4F63454-68AF-AC76-4F4A-5911819D0F2B}"/>
+              </a:ext>
+            </a:extLst>
+          </p:cNvPr>
+          <p:cNvSpPr/>
+          <p:nvPr/>
+        </p:nvSpPr>
+        <p:spPr>
+          <a:xfrm>
+            <a:off x="6212263" y="1233181"/>
+            <a:ext cx="1144171" cy="350522"/>
+          </a:xfrm>
+          <a:prstGeom prst="wedgeRectCallout">
+            <a:avLst>
+              <a:gd name="adj1" fmla="val -43326"/>
+              <a:gd name="adj2" fmla="val 187090"/>
+            </a:avLst>
+          </a:prstGeom>
+        </p:spPr>
+        <p:style>
+          <a:lnRef idx="2">
+            <a:schemeClr val="dk1"/>
+          </a:lnRef>
+          <a:fillRef idx="1">
+            <a:schemeClr val="lt1"/>
+          </a:fillRef>
+          <a:effectRef idx="0">
+            <a:schemeClr val="dk1"/>
+          </a:effectRef>
+          <a:fontRef idx="minor">
+            <a:schemeClr val="dk1"/>
+          </a:fontRef>
+        </p:style>
+        <p:txBody>
+          <a:bodyPr rtlCol="0" anchor="ctr"/>
+          <a:lstStyle/>
+          <a:p>
+            <a:pPr algn="ctr"/>
+            <a:r>
+              <a:rPr lang="de-DE" dirty="0" err="1"/>
+              <a:t>position</a:t>
+            </a:r>
+            <a:endParaRPr lang="en-US" dirty="0"/>
+          </a:p>
+        </p:txBody>
+      </p:sp>
+      <p:sp>
+        <p:nvSpPr>
+          <p:cNvPr id="7" name="Sprechblase: rechteckig 6">
+            <a:extLst>
+              <a:ext uri="{FF2B5EF4-FFF2-40B4-BE49-F238E27FC236}">
+                <a16:creationId xmlns:a16="http://schemas.microsoft.com/office/drawing/2014/main" id="{CCAB2FF7-4704-A1B0-3ABF-00ABFFAC7BD2}"/>
+              </a:ext>
+            </a:extLst>
+          </p:cNvPr>
+          <p:cNvSpPr/>
+          <p:nvPr/>
+        </p:nvSpPr>
+        <p:spPr>
+          <a:xfrm>
+            <a:off x="8962930" y="5057777"/>
+            <a:ext cx="642984" cy="350522"/>
+          </a:xfrm>
+          <a:prstGeom prst="wedgeRectCallout">
+            <a:avLst>
+              <a:gd name="adj1" fmla="val -102574"/>
+              <a:gd name="adj2" fmla="val 63380"/>
+            </a:avLst>
+          </a:prstGeom>
+        </p:spPr>
+        <p:style>
+          <a:lnRef idx="2">
+            <a:schemeClr val="dk1"/>
+          </a:lnRef>
+          <a:fillRef idx="1">
+            <a:schemeClr val="lt1"/>
+          </a:fillRef>
+          <a:effectRef idx="0">
+            <a:schemeClr val="dk1"/>
+          </a:effectRef>
+          <a:fontRef idx="minor">
+            <a:schemeClr val="dk1"/>
+          </a:fontRef>
+        </p:style>
+        <p:txBody>
+          <a:bodyPr rtlCol="0" anchor="ctr"/>
+          <a:lstStyle/>
+          <a:p>
+            <a:pPr algn="ctr"/>
+            <a:r>
+              <a:rPr lang="de-DE" dirty="0"/>
+              <a:t>FEN</a:t>
+            </a:r>
+            <a:endParaRPr lang="en-US" dirty="0"/>
+          </a:p>
+        </p:txBody>
+      </p:sp>
+    </p:spTree>
+    <p:extLst>
+      <p:ext uri="{BB962C8B-B14F-4D97-AF65-F5344CB8AC3E}">
+        <p14:creationId xmlns:p14="http://schemas.microsoft.com/office/powerpoint/2010/main" val="1387293475"/>
+      </p:ext>
+    </p:extLst>
+  </p:cSld>
+  <p:clrMapOvr>
+    <a:masterClrMapping/>
+  </p:clrMapOvr>
+</p:sld>
+</file>
+
+<file path=ppt/slides/slide11.xml><?xml version="1.0" encoding="utf-8"?>
+<p:sld xmlns:a="http://schemas.openxmlformats.org/drawingml/2006/main" xmlns:r="http://schemas.openxmlformats.org/officeDocument/2006/relationships" xmlns:p="http://schemas.openxmlformats.org/presentationml/2006/main">
+  <p:cSld>
+    <p:spTree>
+      <p:nvGrpSpPr>
+        <p:cNvPr id="1" name=""/>
+        <p:cNvGrpSpPr/>
+        <p:nvPr/>
+      </p:nvGrpSpPr>
+      <p:grpSpPr>
+        <a:xfrm>
+          <a:off x="0" y="0"/>
+          <a:ext cx="0" cy="0"/>
+          <a:chOff x="0" y="0"/>
+          <a:chExt cx="0" cy="0"/>
+        </a:xfrm>
+      </p:grpSpPr>
+      <p:pic>
+        <p:nvPicPr>
+          <p:cNvPr id="8" name="Grafik 7">
+            <a:extLst>
+              <a:ext uri="{FF2B5EF4-FFF2-40B4-BE49-F238E27FC236}">
+                <a16:creationId xmlns:a16="http://schemas.microsoft.com/office/drawing/2014/main" id="{9E67E58E-95B1-BBE3-D7B3-09954002A21A}"/>
+              </a:ext>
+            </a:extLst>
+          </p:cNvPr>
+          <p:cNvPicPr>
+            <a:picLocks noChangeAspect="1"/>
+          </p:cNvPicPr>
+          <p:nvPr/>
+        </p:nvPicPr>
+        <p:blipFill>
+          <a:blip r:embed="rId2">
+            <a:extLst>
+              <a:ext uri="{28A0092B-C50C-407E-A947-70E740481C1C}">
+                <a14:useLocalDpi xmlns:a14="http://schemas.microsoft.com/office/drawing/2010/main" val="0"/>
+              </a:ext>
+            </a:extLst>
+          </a:blip>
+          <a:stretch>
+            <a:fillRect/>
+          </a:stretch>
+        </p:blipFill>
+        <p:spPr>
+          <a:xfrm>
+            <a:off x="2985653" y="1114102"/>
+            <a:ext cx="6220693" cy="4629796"/>
+          </a:xfrm>
+          <a:prstGeom prst="rect">
+            <a:avLst/>
+          </a:prstGeom>
+        </p:spPr>
+      </p:pic>
+      <p:sp>
+        <p:nvSpPr>
+          <p:cNvPr id="4" name="Sprechblase: rechteckig 3">
+            <a:extLst>
+              <a:ext uri="{FF2B5EF4-FFF2-40B4-BE49-F238E27FC236}">
+                <a16:creationId xmlns:a16="http://schemas.microsoft.com/office/drawing/2014/main" id="{A42C9327-8250-D565-7742-81A89B806327}"/>
+              </a:ext>
+            </a:extLst>
+          </p:cNvPr>
+          <p:cNvSpPr/>
+          <p:nvPr/>
+        </p:nvSpPr>
+        <p:spPr>
+          <a:xfrm>
+            <a:off x="4232634" y="1223755"/>
+            <a:ext cx="1144171" cy="350522"/>
+          </a:xfrm>
+          <a:prstGeom prst="wedgeRectCallout">
+            <a:avLst>
+              <a:gd name="adj1" fmla="val -150433"/>
+              <a:gd name="adj2" fmla="val 144060"/>
+            </a:avLst>
+          </a:prstGeom>
+        </p:spPr>
+        <p:style>
+          <a:lnRef idx="2">
+            <a:schemeClr val="dk1"/>
+          </a:lnRef>
+          <a:fillRef idx="1">
+            <a:schemeClr val="lt1"/>
+          </a:fillRef>
+          <a:effectRef idx="0">
+            <a:schemeClr val="dk1"/>
+          </a:effectRef>
+          <a:fontRef idx="minor">
+            <a:schemeClr val="dk1"/>
+          </a:fontRef>
+        </p:style>
+        <p:txBody>
+          <a:bodyPr rtlCol="0" anchor="ctr"/>
+          <a:lstStyle/>
+          <a:p>
+            <a:pPr algn="ctr"/>
+            <a:r>
+              <a:rPr lang="de-DE" dirty="0" err="1"/>
+              <a:t>position</a:t>
+            </a:r>
+            <a:endParaRPr lang="en-US" dirty="0"/>
+          </a:p>
+        </p:txBody>
+      </p:sp>
+      <p:sp>
+        <p:nvSpPr>
+          <p:cNvPr id="5" name="Sprechblase: rechteckig 4">
+            <a:extLst>
+              <a:ext uri="{FF2B5EF4-FFF2-40B4-BE49-F238E27FC236}">
+                <a16:creationId xmlns:a16="http://schemas.microsoft.com/office/drawing/2014/main" id="{21DCE7AA-4F01-E557-53AB-6F18E3868B7D}"/>
+              </a:ext>
+            </a:extLst>
+          </p:cNvPr>
+          <p:cNvSpPr/>
+          <p:nvPr/>
+        </p:nvSpPr>
+        <p:spPr>
+          <a:xfrm>
+            <a:off x="5957740" y="5187171"/>
+            <a:ext cx="789709" cy="261132"/>
+          </a:xfrm>
+          <a:prstGeom prst="wedgeRectCallout">
+            <a:avLst>
+              <a:gd name="adj1" fmla="val -76959"/>
+              <a:gd name="adj2" fmla="val -1183688"/>
+            </a:avLst>
+          </a:prstGeom>
+        </p:spPr>
+        <p:style>
+          <a:lnRef idx="2">
+            <a:schemeClr val="dk1"/>
+          </a:lnRef>
+          <a:fillRef idx="1">
+            <a:schemeClr val="lt1"/>
+          </a:fillRef>
+          <a:effectRef idx="0">
+            <a:schemeClr val="dk1"/>
+          </a:effectRef>
+          <a:fontRef idx="minor">
+            <a:schemeClr val="dk1"/>
+          </a:fontRef>
+        </p:style>
+        <p:txBody>
+          <a:bodyPr rtlCol="0" anchor="ctr"/>
+          <a:lstStyle/>
+          <a:p>
+            <a:pPr algn="ctr"/>
+            <a:endParaRPr lang="en-US" dirty="0"/>
+          </a:p>
+        </p:txBody>
+      </p:sp>
+      <p:sp>
+        <p:nvSpPr>
+          <p:cNvPr id="6" name="Sprechblase: rechteckig 5">
+            <a:extLst>
+              <a:ext uri="{FF2B5EF4-FFF2-40B4-BE49-F238E27FC236}">
+                <a16:creationId xmlns:a16="http://schemas.microsoft.com/office/drawing/2014/main" id="{1ECFC9EE-7BA5-63BD-DDA2-935F60815688}"/>
+              </a:ext>
+            </a:extLst>
+          </p:cNvPr>
+          <p:cNvSpPr/>
+          <p:nvPr/>
+        </p:nvSpPr>
+        <p:spPr>
+          <a:xfrm>
+            <a:off x="5957740" y="5133000"/>
+            <a:ext cx="1970202" cy="369864"/>
+          </a:xfrm>
+          <a:prstGeom prst="wedgeRectCallout">
+            <a:avLst>
+              <a:gd name="adj1" fmla="val 83138"/>
+              <a:gd name="adj2" fmla="val -185706"/>
+            </a:avLst>
+          </a:prstGeom>
+        </p:spPr>
+        <p:style>
+          <a:lnRef idx="2">
+            <a:schemeClr val="dk1"/>
+          </a:lnRef>
+          <a:fillRef idx="1">
+            <a:schemeClr val="lt1"/>
+          </a:fillRef>
+          <a:effectRef idx="0">
+            <a:schemeClr val="dk1"/>
+          </a:effectRef>
+          <a:fontRef idx="minor">
+            <a:schemeClr val="dk1"/>
+          </a:fontRef>
+        </p:style>
+        <p:txBody>
+          <a:bodyPr rtlCol="0" anchor="ctr"/>
+          <a:lstStyle/>
+          <a:p>
+            <a:pPr algn="ctr"/>
+            <a:r>
+              <a:rPr lang="en-US" dirty="0"/>
+              <a:t>selected property</a:t>
+            </a:r>
+          </a:p>
+        </p:txBody>
+      </p:sp>
+    </p:spTree>
+    <p:extLst>
+      <p:ext uri="{BB962C8B-B14F-4D97-AF65-F5344CB8AC3E}">
+        <p14:creationId xmlns:p14="http://schemas.microsoft.com/office/powerpoint/2010/main" val="1568839068"/>
+      </p:ext>
+    </p:extLst>
+  </p:cSld>
+  <p:clrMapOvr>
+    <a:masterClrMapping/>
+  </p:clrMapOvr>
+</p:sld>
+</file>
+
 <file path=ppt/slides/slide2.xml><?xml version="1.0" encoding="utf-8"?>
 <p:sld xmlns:a="http://schemas.openxmlformats.org/drawingml/2006/main" xmlns:r="http://schemas.openxmlformats.org/officeDocument/2006/relationships" xmlns:p="http://schemas.openxmlformats.org/presentationml/2006/main">
   <p:cSld>
